--- a/Lectures/9 - Inference for Regression Slope.pptx
+++ b/Lectures/9 - Inference for Regression Slope.pptx
@@ -17,8 +17,8 @@
     <p:sldId id="373" r:id="rId5"/>
     <p:sldId id="374" r:id="rId6"/>
     <p:sldId id="376" r:id="rId7"/>
-    <p:sldId id="377" r:id="rId8"/>
-    <p:sldId id="378" r:id="rId9"/>
+    <p:sldId id="378" r:id="rId8"/>
+    <p:sldId id="379" r:id="rId9"/>
     <p:sldId id="375" r:id="rId10"/>
     <p:sldId id="358" r:id="rId11"/>
   </p:sldIdLst>
@@ -5634,8 +5634,8 @@
           </a:p>
         </p:txBody>
       </p:sp>
-      <mc:AlternateContent xmlns:mc="http://schemas.openxmlformats.org/markup-compatibility/2006">
-        <mc:Choice xmlns:a14="http://schemas.microsoft.com/office/drawing/2010/main" Requires="a14">
+      <mc:AlternateContent xmlns:mc="http://schemas.openxmlformats.org/markup-compatibility/2006" xmlns:a14="http://schemas.microsoft.com/office/drawing/2010/main">
+        <mc:Choice Requires="a14">
           <p:sp>
             <p:nvSpPr>
               <p:cNvPr id="11" name="TextBox 10">
@@ -5765,7 +5765,7 @@
             </p:txBody>
           </p:sp>
         </mc:Choice>
-        <mc:Fallback>
+        <mc:Fallback xmlns="">
           <p:sp>
             <p:nvSpPr>
               <p:cNvPr id="11" name="TextBox 10">
@@ -5810,8 +5810,8 @@
           </p:sp>
         </mc:Fallback>
       </mc:AlternateContent>
-      <mc:AlternateContent xmlns:mc="http://schemas.openxmlformats.org/markup-compatibility/2006">
-        <mc:Choice xmlns:a14="http://schemas.microsoft.com/office/drawing/2010/main" Requires="a14">
+      <mc:AlternateContent xmlns:mc="http://schemas.openxmlformats.org/markup-compatibility/2006" xmlns:a14="http://schemas.microsoft.com/office/drawing/2010/main">
+        <mc:Choice Requires="a14">
           <p:sp>
             <p:nvSpPr>
               <p:cNvPr id="13" name="TextBox 12">
@@ -5977,7 +5977,7 @@
             </p:txBody>
           </p:sp>
         </mc:Choice>
-        <mc:Fallback>
+        <mc:Fallback xmlns="">
           <p:sp>
             <p:nvSpPr>
               <p:cNvPr id="13" name="TextBox 12">
@@ -6212,8 +6212,8 @@
           </a:p>
         </p:txBody>
       </p:sp>
-      <mc:AlternateContent xmlns:mc="http://schemas.openxmlformats.org/markup-compatibility/2006">
-        <mc:Choice xmlns:a14="http://schemas.microsoft.com/office/drawing/2010/main" Requires="a14">
+      <mc:AlternateContent xmlns:mc="http://schemas.openxmlformats.org/markup-compatibility/2006" xmlns:a14="http://schemas.microsoft.com/office/drawing/2010/main">
+        <mc:Choice Requires="a14">
           <p:sp>
             <p:nvSpPr>
               <p:cNvPr id="7" name="TextBox 6">
@@ -6475,7 +6475,7 @@
             </p:txBody>
           </p:sp>
         </mc:Choice>
-        <mc:Fallback>
+        <mc:Fallback xmlns="">
           <p:sp>
             <p:nvSpPr>
               <p:cNvPr id="7" name="TextBox 6">
@@ -6525,8 +6525,8 @@
           </p:sp>
         </mc:Fallback>
       </mc:AlternateContent>
-      <mc:AlternateContent xmlns:mc="http://schemas.openxmlformats.org/markup-compatibility/2006">
-        <mc:Choice xmlns:a14="http://schemas.microsoft.com/office/drawing/2010/main" Requires="a14">
+      <mc:AlternateContent xmlns:mc="http://schemas.openxmlformats.org/markup-compatibility/2006" xmlns:a14="http://schemas.microsoft.com/office/drawing/2010/main">
+        <mc:Choice Requires="a14">
           <p:sp>
             <p:nvSpPr>
               <p:cNvPr id="11" name="TextBox 10">
@@ -7025,7 +7025,7 @@
             </p:txBody>
           </p:sp>
         </mc:Choice>
-        <mc:Fallback>
+        <mc:Fallback xmlns="">
           <p:sp>
             <p:nvSpPr>
               <p:cNvPr id="11" name="TextBox 10">
@@ -7260,8 +7260,8 @@
           </a:p>
         </p:txBody>
       </p:sp>
-      <mc:AlternateContent xmlns:mc="http://schemas.openxmlformats.org/markup-compatibility/2006">
-        <mc:Choice xmlns:a14="http://schemas.microsoft.com/office/drawing/2010/main" Requires="a14">
+      <mc:AlternateContent xmlns:mc="http://schemas.openxmlformats.org/markup-compatibility/2006" xmlns:a14="http://schemas.microsoft.com/office/drawing/2010/main">
+        <mc:Choice Requires="a14">
           <p:sp>
             <p:nvSpPr>
               <p:cNvPr id="7" name="TextBox 6">
@@ -7578,7 +7578,7 @@
             </p:txBody>
           </p:sp>
         </mc:Choice>
-        <mc:Fallback>
+        <mc:Fallback xmlns="">
           <p:sp>
             <p:nvSpPr>
               <p:cNvPr id="7" name="TextBox 6">
@@ -7628,8 +7628,8 @@
           </p:sp>
         </mc:Fallback>
       </mc:AlternateContent>
-      <mc:AlternateContent xmlns:mc="http://schemas.openxmlformats.org/markup-compatibility/2006">
-        <mc:Choice xmlns:a14="http://schemas.microsoft.com/office/drawing/2010/main" Requires="a14">
+      <mc:AlternateContent xmlns:mc="http://schemas.openxmlformats.org/markup-compatibility/2006" xmlns:a14="http://schemas.microsoft.com/office/drawing/2010/main">
+        <mc:Choice Requires="a14">
           <p:sp>
             <p:nvSpPr>
               <p:cNvPr id="3" name="TextBox 2">
@@ -7711,7 +7711,7 @@
                       <m:sSub>
                         <m:sSubPr>
                           <m:ctrlPr>
-                            <a:rPr lang="en-US" sz="2400" b="0" i="0" smtClean="0">
+                            <a:rPr lang="en-US" sz="2400" b="0" i="1" smtClean="0">
                               <a:latin typeface="Cambria Math" panose="02040503050406030204" pitchFamily="18" charset="0"/>
                             </a:rPr>
                           </m:ctrlPr>
@@ -7824,7 +7824,7 @@
             </p:txBody>
           </p:sp>
         </mc:Choice>
-        <mc:Fallback>
+        <mc:Fallback xmlns="">
           <p:sp>
             <p:nvSpPr>
               <p:cNvPr id="3" name="TextBox 2">
@@ -8059,8 +8059,8 @@
           </a:p>
         </p:txBody>
       </p:sp>
-      <mc:AlternateContent xmlns:mc="http://schemas.openxmlformats.org/markup-compatibility/2006">
-        <mc:Choice xmlns:a14="http://schemas.microsoft.com/office/drawing/2010/main" Requires="a14">
+      <mc:AlternateContent xmlns:mc="http://schemas.openxmlformats.org/markup-compatibility/2006" xmlns:a14="http://schemas.microsoft.com/office/drawing/2010/main">
+        <mc:Choice Requires="a14">
           <p:sp>
             <p:nvSpPr>
               <p:cNvPr id="7" name="TextBox 6">
@@ -8190,7 +8190,7 @@
                     <m:sSub>
                       <m:sSubPr>
                         <m:ctrlPr>
-                          <a:rPr lang="en-US" sz="2800" b="0" i="0" smtClean="0">
+                          <a:rPr lang="en-US" sz="2800" b="0" i="1" smtClean="0">
                             <a:solidFill>
                               <a:srgbClr val="660066"/>
                             </a:solidFill>
@@ -8662,7 +8662,7 @@
             </p:txBody>
           </p:sp>
         </mc:Choice>
-        <mc:Fallback>
+        <mc:Fallback xmlns="">
           <p:sp>
             <p:nvSpPr>
               <p:cNvPr id="7" name="TextBox 6">
@@ -8902,8 +8902,8 @@
           </a:p>
         </p:txBody>
       </p:sp>
-      <mc:AlternateContent xmlns:mc="http://schemas.openxmlformats.org/markup-compatibility/2006">
-        <mc:Choice xmlns:a14="http://schemas.microsoft.com/office/drawing/2010/main" Requires="a14">
+      <mc:AlternateContent xmlns:mc="http://schemas.openxmlformats.org/markup-compatibility/2006" xmlns:a14="http://schemas.microsoft.com/office/drawing/2010/main">
+        <mc:Choice Requires="a14">
           <p:sp>
             <p:nvSpPr>
               <p:cNvPr id="7" name="TextBox 6">
@@ -9300,7 +9300,7 @@
             </p:txBody>
           </p:sp>
         </mc:Choice>
-        <mc:Fallback>
+        <mc:Fallback xmlns="">
           <p:sp>
             <p:nvSpPr>
               <p:cNvPr id="7" name="TextBox 6">
@@ -9417,8 +9417,8 @@
             </a:extLst>
           </p:spPr>
         </p:pic>
-        <mc:AlternateContent xmlns:mc="http://schemas.openxmlformats.org/markup-compatibility/2006">
-          <mc:Choice xmlns:a14="http://schemas.microsoft.com/office/drawing/2010/main" Requires="a14">
+        <mc:AlternateContent xmlns:mc="http://schemas.openxmlformats.org/markup-compatibility/2006" xmlns:a14="http://schemas.microsoft.com/office/drawing/2010/main">
+          <mc:Choice Requires="a14">
             <p:sp>
               <p:nvSpPr>
                 <p:cNvPr id="8" name="TextBox 7">
@@ -9501,7 +9501,7 @@
               </p:txBody>
             </p:sp>
           </mc:Choice>
-          <mc:Fallback>
+          <mc:Fallback xmlns="">
             <p:sp>
               <p:nvSpPr>
                 <p:cNvPr id="8" name="TextBox 7">
@@ -9546,8 +9546,8 @@
             </p:sp>
           </mc:Fallback>
         </mc:AlternateContent>
-        <mc:AlternateContent xmlns:mc="http://schemas.openxmlformats.org/markup-compatibility/2006">
-          <mc:Choice xmlns:a14="http://schemas.microsoft.com/office/drawing/2010/main" Requires="a14">
+        <mc:AlternateContent xmlns:mc="http://schemas.openxmlformats.org/markup-compatibility/2006" xmlns:a14="http://schemas.microsoft.com/office/drawing/2010/main">
+          <mc:Choice Requires="a14">
             <p:sp>
               <p:nvSpPr>
                 <p:cNvPr id="9" name="TextBox 8">
@@ -9630,7 +9630,7 @@
               </p:txBody>
             </p:sp>
           </mc:Choice>
-          <mc:Fallback>
+          <mc:Fallback xmlns="">
             <p:sp>
               <p:nvSpPr>
                 <p:cNvPr id="9" name="TextBox 8">
@@ -10091,7 +10091,7 @@
     </p:spTree>
     <p:extLst>
       <p:ext uri="{BB962C8B-B14F-4D97-AF65-F5344CB8AC3E}">
-        <p14:creationId xmlns:p14="http://schemas.microsoft.com/office/powerpoint/2010/main" val="3200053974"/>
+        <p14:creationId xmlns:p14="http://schemas.microsoft.com/office/powerpoint/2010/main" val="3074580170"/>
       </p:ext>
     </p:extLst>
   </p:cSld>
@@ -10264,11 +10264,10 @@
                 <a:solidFill>
                   <a:srgbClr val="2D3A37"/>
                 </a:solidFill>
-                <a:effectLst/>
                 <a:latin typeface="Adobe Devanagari" panose="02040503050201020203" pitchFamily="18" charset="0"/>
                 <a:cs typeface="Adobe Devanagari" panose="02040503050201020203" pitchFamily="18" charset="0"/>
               </a:rPr>
-              <a:t>t-Test for Slope</a:t>
+              <a:t>Inference for the Slope in R</a:t>
             </a:r>
             <a:endParaRPr lang="en-US" sz="4800" dirty="0">
               <a:solidFill>
@@ -10293,7 +10292,7 @@
         <p:spPr>
           <a:xfrm>
             <a:off x="495300" y="1974467"/>
-            <a:ext cx="11201400" cy="4392692"/>
+            <a:ext cx="11201400" cy="4869418"/>
           </a:xfrm>
           <a:prstGeom prst="roundRect">
             <a:avLst/>
@@ -10337,39 +10336,27 @@
                   <a:srgbClr val="660066"/>
                 </a:solidFill>
               </a:rPr>
-              <a:t>Step 6: Decision</a:t>
+              <a:t>The </a:t>
             </a:r>
-          </a:p>
-          <a:p>
-            <a:pPr marL="914400" lvl="1" indent="-457200">
-              <a:buFont typeface="Arial" panose="020B0604020202020204" pitchFamily="34" charset="0"/>
-              <a:buChar char="•"/>
-            </a:pPr>
+            <a:r>
+              <a:rPr lang="en-US" sz="2800" b="1" dirty="0">
+                <a:solidFill>
+                  <a:srgbClr val="660066"/>
+                </a:solidFill>
+              </a:rPr>
+              <a:t>summary() </a:t>
+            </a:r>
             <a:r>
               <a:rPr lang="en-US" sz="2800" dirty="0">
                 <a:solidFill>
                   <a:srgbClr val="660066"/>
                 </a:solidFill>
               </a:rPr>
-              <a:t>P-value &lt; 0.05, then Reject Null and Accept Alternative</a:t>
+              <a:t>function in R prints out the test statistic and p-value</a:t>
             </a:r>
           </a:p>
           <a:p>
-            <a:pPr marL="914400" lvl="1" indent="-457200">
-              <a:buFont typeface="Arial" panose="020B0604020202020204" pitchFamily="34" charset="0"/>
-              <a:buChar char="•"/>
-            </a:pPr>
-            <a:r>
-              <a:rPr lang="en-US" sz="2800" dirty="0">
-                <a:solidFill>
-                  <a:srgbClr val="660066"/>
-                </a:solidFill>
-              </a:rPr>
-              <a:t>P-value &gt; 0.05, then Fail to Reject the Null</a:t>
-            </a:r>
-          </a:p>
-          <a:p>
-            <a:pPr marL="914400" lvl="1" indent="-457200">
+            <a:pPr marL="457200" indent="-457200">
               <a:buFont typeface="Arial" panose="020B0604020202020204" pitchFamily="34" charset="0"/>
               <a:buChar char="•"/>
             </a:pPr>
@@ -10390,50 +10377,94 @@
                   <a:srgbClr val="660066"/>
                 </a:solidFill>
               </a:rPr>
-              <a:t>Step 7: Interpret Results to Audience</a:t>
+              <a:t>The </a:t>
             </a:r>
-          </a:p>
-          <a:p>
-            <a:pPr marL="914400" lvl="1" indent="-457200">
-              <a:buFont typeface="Arial" panose="020B0604020202020204" pitchFamily="34" charset="0"/>
-              <a:buChar char="•"/>
-            </a:pPr>
+            <a:r>
+              <a:rPr lang="en-US" sz="2800" b="1" dirty="0" err="1">
+                <a:solidFill>
+                  <a:srgbClr val="660066"/>
+                </a:solidFill>
+              </a:rPr>
+              <a:t>confint</a:t>
+            </a:r>
+            <a:r>
+              <a:rPr lang="en-US" sz="2800" b="1" dirty="0">
+                <a:solidFill>
+                  <a:srgbClr val="660066"/>
+                </a:solidFill>
+              </a:rPr>
+              <a:t>()</a:t>
+            </a:r>
             <a:r>
               <a:rPr lang="en-US" sz="2800" dirty="0">
                 <a:solidFill>
                   <a:srgbClr val="660066"/>
                 </a:solidFill>
               </a:rPr>
-              <a:t>Interpret for People with Background in Basic Math</a:t>
+              <a:t> function in R prints out a 95% CI for the slope</a:t>
             </a:r>
           </a:p>
           <a:p>
-            <a:pPr marL="914400" lvl="1" indent="-457200">
+            <a:pPr marL="457200" indent="-457200">
               <a:buFont typeface="Arial" panose="020B0604020202020204" pitchFamily="34" charset="0"/>
               <a:buChar char="•"/>
             </a:pPr>
-            <a:r>
-              <a:rPr lang="en-US" sz="2800" dirty="0">
-                <a:solidFill>
-                  <a:srgbClr val="660066"/>
-                </a:solidFill>
-              </a:rPr>
-              <a:t>Should Use Words that are Based off the Context of the Data</a:t>
-            </a:r>
-          </a:p>
-          <a:p>
-            <a:pPr marL="914400" lvl="1" indent="-457200">
+            <a:endParaRPr lang="en-US" sz="2800" dirty="0">
+              <a:solidFill>
+                <a:srgbClr val="660066"/>
+              </a:solidFill>
+            </a:endParaRPr>
+          </a:p>
+          <a:p>
+            <a:pPr marL="457200" indent="-457200">
               <a:buFont typeface="Arial" panose="020B0604020202020204" pitchFamily="34" charset="0"/>
               <a:buChar char="•"/>
             </a:pPr>
-            <a:r>
-              <a:rPr lang="en-US" sz="2800" dirty="0">
-                <a:solidFill>
-                  <a:srgbClr val="660066"/>
-                </a:solidFill>
-              </a:rPr>
-              <a:t>What Does “Statistically Significant” Mean to the Audience</a:t>
-            </a:r>
+            <a:endParaRPr lang="en-US" sz="2800" dirty="0">
+              <a:solidFill>
+                <a:srgbClr val="660066"/>
+              </a:solidFill>
+            </a:endParaRPr>
+          </a:p>
+          <a:p>
+            <a:pPr marL="457200" indent="-457200">
+              <a:buFont typeface="Arial" panose="020B0604020202020204" pitchFamily="34" charset="0"/>
+              <a:buChar char="•"/>
+            </a:pPr>
+            <a:endParaRPr lang="en-US" sz="2800" dirty="0">
+              <a:solidFill>
+                <a:srgbClr val="660066"/>
+              </a:solidFill>
+            </a:endParaRPr>
+          </a:p>
+          <a:p>
+            <a:pPr marL="457200" indent="-457200">
+              <a:buFont typeface="Arial" panose="020B0604020202020204" pitchFamily="34" charset="0"/>
+              <a:buChar char="•"/>
+            </a:pPr>
+            <a:endParaRPr lang="en-US" sz="2800" dirty="0">
+              <a:solidFill>
+                <a:srgbClr val="660066"/>
+              </a:solidFill>
+            </a:endParaRPr>
+          </a:p>
+          <a:p>
+            <a:pPr marL="457200" indent="-457200">
+              <a:buFont typeface="Arial" panose="020B0604020202020204" pitchFamily="34" charset="0"/>
+              <a:buChar char="•"/>
+            </a:pPr>
+            <a:endParaRPr lang="en-US" sz="2800" dirty="0">
+              <a:solidFill>
+                <a:srgbClr val="660066"/>
+              </a:solidFill>
+            </a:endParaRPr>
+          </a:p>
+          <a:p>
+            <a:endParaRPr lang="en-US" sz="2800" dirty="0">
+              <a:solidFill>
+                <a:srgbClr val="660066"/>
+              </a:solidFill>
+            </a:endParaRPr>
           </a:p>
           <a:p>
             <a:pPr lvl="1"/>
@@ -10448,10 +10479,184 @@
           </a:p>
         </p:txBody>
       </p:sp>
+      <p:pic>
+        <p:nvPicPr>
+          <p:cNvPr id="4" name="Picture 3">
+            <a:extLst>
+              <a:ext uri="{FF2B5EF4-FFF2-40B4-BE49-F238E27FC236}">
+                <a16:creationId xmlns:a16="http://schemas.microsoft.com/office/drawing/2014/main" id="{3EA16C4B-DA56-0C81-C210-47E2DD733C2D}"/>
+              </a:ext>
+            </a:extLst>
+          </p:cNvPr>
+          <p:cNvPicPr>
+            <a:picLocks noChangeAspect="1"/>
+          </p:cNvPicPr>
+          <p:nvPr/>
+        </p:nvPicPr>
+        <p:blipFill>
+          <a:blip r:embed="rId3"/>
+          <a:stretch>
+            <a:fillRect/>
+          </a:stretch>
+        </p:blipFill>
+        <p:spPr>
+          <a:xfrm>
+            <a:off x="1295400" y="3657600"/>
+            <a:ext cx="5076423" cy="3048000"/>
+          </a:xfrm>
+          <a:prstGeom prst="rect">
+            <a:avLst/>
+          </a:prstGeom>
+          <a:ln w="28575">
+            <a:solidFill>
+              <a:srgbClr val="660066"/>
+            </a:solidFill>
+          </a:ln>
+        </p:spPr>
+      </p:pic>
+      <p:pic>
+        <p:nvPicPr>
+          <p:cNvPr id="8" name="Picture 7">
+            <a:extLst>
+              <a:ext uri="{FF2B5EF4-FFF2-40B4-BE49-F238E27FC236}">
+                <a16:creationId xmlns:a16="http://schemas.microsoft.com/office/drawing/2014/main" id="{2BCE91A0-DE61-3FBB-1801-D07EAF5576D9}"/>
+              </a:ext>
+            </a:extLst>
+          </p:cNvPr>
+          <p:cNvPicPr>
+            <a:picLocks noChangeAspect="1"/>
+          </p:cNvPicPr>
+          <p:nvPr/>
+        </p:nvPicPr>
+        <p:blipFill>
+          <a:blip r:embed="rId4"/>
+          <a:stretch>
+            <a:fillRect/>
+          </a:stretch>
+        </p:blipFill>
+        <p:spPr>
+          <a:xfrm>
+            <a:off x="6553200" y="3662036"/>
+            <a:ext cx="4501081" cy="1447800"/>
+          </a:xfrm>
+          <a:prstGeom prst="rect">
+            <a:avLst/>
+          </a:prstGeom>
+          <a:ln w="28575">
+            <a:solidFill>
+              <a:srgbClr val="660066"/>
+            </a:solidFill>
+          </a:ln>
+        </p:spPr>
+      </p:pic>
+      <p:sp>
+        <p:nvSpPr>
+          <p:cNvPr id="9" name="Rectangle 8">
+            <a:extLst>
+              <a:ext uri="{FF2B5EF4-FFF2-40B4-BE49-F238E27FC236}">
+                <a16:creationId xmlns:a16="http://schemas.microsoft.com/office/drawing/2014/main" id="{0806CF10-8DE9-F9D1-627D-78E18157EDB1}"/>
+              </a:ext>
+            </a:extLst>
+          </p:cNvPr>
+          <p:cNvSpPr/>
+          <p:nvPr/>
+        </p:nvSpPr>
+        <p:spPr>
+          <a:xfrm>
+            <a:off x="4419600" y="6476999"/>
+            <a:ext cx="1524000" cy="228601"/>
+          </a:xfrm>
+          <a:prstGeom prst="rect">
+            <a:avLst/>
+          </a:prstGeom>
+          <a:noFill/>
+          <a:ln w="28575">
+            <a:solidFill>
+              <a:srgbClr val="660066"/>
+            </a:solidFill>
+          </a:ln>
+        </p:spPr>
+        <p:style>
+          <a:lnRef idx="2">
+            <a:schemeClr val="accent1">
+              <a:shade val="15000"/>
+            </a:schemeClr>
+          </a:lnRef>
+          <a:fillRef idx="1">
+            <a:schemeClr val="accent1"/>
+          </a:fillRef>
+          <a:effectRef idx="0">
+            <a:schemeClr val="accent1"/>
+          </a:effectRef>
+          <a:fontRef idx="minor">
+            <a:schemeClr val="lt1"/>
+          </a:fontRef>
+        </p:style>
+        <p:txBody>
+          <a:bodyPr rtlCol="0" anchor="ctr"/>
+          <a:lstStyle/>
+          <a:p>
+            <a:pPr algn="ctr"/>
+            <a:endParaRPr lang="en-US"/>
+          </a:p>
+        </p:txBody>
+      </p:sp>
+      <p:sp>
+        <p:nvSpPr>
+          <p:cNvPr id="10" name="Rectangle 9">
+            <a:extLst>
+              <a:ext uri="{FF2B5EF4-FFF2-40B4-BE49-F238E27FC236}">
+                <a16:creationId xmlns:a16="http://schemas.microsoft.com/office/drawing/2014/main" id="{ADF339A8-00B3-38D2-4086-8DEECA202CC4}"/>
+              </a:ext>
+            </a:extLst>
+          </p:cNvPr>
+          <p:cNvSpPr/>
+          <p:nvPr/>
+        </p:nvSpPr>
+        <p:spPr>
+          <a:xfrm>
+            <a:off x="8237624" y="4782526"/>
+            <a:ext cx="2735175" cy="327310"/>
+          </a:xfrm>
+          <a:prstGeom prst="rect">
+            <a:avLst/>
+          </a:prstGeom>
+          <a:noFill/>
+          <a:ln w="28575">
+            <a:solidFill>
+              <a:srgbClr val="660066"/>
+            </a:solidFill>
+          </a:ln>
+        </p:spPr>
+        <p:style>
+          <a:lnRef idx="2">
+            <a:schemeClr val="accent1">
+              <a:shade val="15000"/>
+            </a:schemeClr>
+          </a:lnRef>
+          <a:fillRef idx="1">
+            <a:schemeClr val="accent1"/>
+          </a:fillRef>
+          <a:effectRef idx="0">
+            <a:schemeClr val="accent1"/>
+          </a:effectRef>
+          <a:fontRef idx="minor">
+            <a:schemeClr val="lt1"/>
+          </a:fontRef>
+        </p:style>
+        <p:txBody>
+          <a:bodyPr rtlCol="0" anchor="ctr"/>
+          <a:lstStyle/>
+          <a:p>
+            <a:pPr algn="ctr"/>
+            <a:endParaRPr lang="en-US"/>
+          </a:p>
+        </p:txBody>
+      </p:sp>
     </p:spTree>
     <p:extLst>
       <p:ext uri="{BB962C8B-B14F-4D97-AF65-F5344CB8AC3E}">
-        <p14:creationId xmlns:p14="http://schemas.microsoft.com/office/powerpoint/2010/main" val="3074580170"/>
+        <p14:creationId xmlns:p14="http://schemas.microsoft.com/office/powerpoint/2010/main" val="3684865654"/>
       </p:ext>
     </p:extLst>
   </p:cSld>
